--- a/Slide/Data Types & Variables.pptx
+++ b/Slide/Data Types & Variables.pptx
@@ -408,7 +408,7 @@
           <a:p>
             <a:fld id="{78ABE3C1-DBE1-495D-B57B-2849774B866A}" type="datetimeFigureOut">
               <a:rPr lang="en-US" dirty="0"/>
-              <a:t>8/9/2023</a:t>
+              <a:t>8/11/2023</a:t>
             </a:fld>
             <a:endParaRPr lang="en-US" dirty="0"/>
           </a:p>
@@ -817,7 +817,7 @@
           <a:p>
             <a:fld id="{446C117F-5CCF-4837-BE5F-2B92066CAFAF}" type="datetimeFigureOut">
               <a:rPr lang="en-US" dirty="0"/>
-              <a:t>8/9/2023</a:t>
+              <a:t>8/11/2023</a:t>
             </a:fld>
             <a:endParaRPr lang="en-US" dirty="0"/>
           </a:p>
@@ -1148,7 +1148,7 @@
           <a:p>
             <a:fld id="{84EB90BD-B6CE-46B7-997F-7313B992CCDC}" type="datetimeFigureOut">
               <a:rPr lang="en-US" dirty="0"/>
-              <a:t>8/9/2023</a:t>
+              <a:t>8/11/2023</a:t>
             </a:fld>
             <a:endParaRPr lang="en-US" dirty="0"/>
           </a:p>
@@ -1548,7 +1548,7 @@
           <a:p>
             <a:fld id="{CDB9D11F-B188-461D-B23F-39381795C052}" type="datetimeFigureOut">
               <a:rPr lang="en-US" dirty="0"/>
-              <a:t>8/9/2023</a:t>
+              <a:t>8/11/2023</a:t>
             </a:fld>
             <a:endParaRPr lang="en-US" dirty="0"/>
           </a:p>
@@ -2111,7 +2111,7 @@
           <a:p>
             <a:fld id="{52E6D8D9-55A2-4063-B0F3-121F44549695}" type="datetimeFigureOut">
               <a:rPr lang="en-US" dirty="0"/>
-              <a:t>8/9/2023</a:t>
+              <a:t>8/11/2023</a:t>
             </a:fld>
             <a:endParaRPr lang="en-US" dirty="0"/>
           </a:p>
@@ -2787,7 +2787,7 @@
           <a:p>
             <a:fld id="{D4B24536-994D-4021-A283-9F449C0DB509}" type="datetimeFigureOut">
               <a:rPr lang="en-US" dirty="0"/>
-              <a:t>8/9/2023</a:t>
+              <a:t>8/11/2023</a:t>
             </a:fld>
             <a:endParaRPr lang="en-US" dirty="0"/>
           </a:p>
@@ -3695,7 +3695,7 @@
           <a:p>
             <a:fld id="{3CBBBB78-C96F-47B7-AB17-D852CA960AC9}" type="datetimeFigureOut">
               <a:rPr lang="en-US" dirty="0"/>
-              <a:t>8/9/2023</a:t>
+              <a:t>8/11/2023</a:t>
             </a:fld>
             <a:endParaRPr lang="en-US" dirty="0"/>
           </a:p>
@@ -4003,7 +4003,7 @@
           <a:p>
             <a:fld id="{1FA3F48C-C7C6-4055-9F49-3777875E72AE}" type="datetimeFigureOut">
               <a:rPr lang="en-US" dirty="0"/>
-              <a:t>8/9/2023</a:t>
+              <a:t>8/11/2023</a:t>
             </a:fld>
             <a:endParaRPr lang="en-US" dirty="0"/>
           </a:p>
@@ -4262,7 +4262,7 @@
           <a:p>
             <a:fld id="{6178E61D-D431-422C-9764-11DAFE33AB63}" type="datetimeFigureOut">
               <a:rPr lang="en-US" dirty="0"/>
-              <a:t>8/9/2023</a:t>
+              <a:t>8/11/2023</a:t>
             </a:fld>
             <a:endParaRPr lang="en-US" dirty="0"/>
           </a:p>
@@ -4581,7 +4581,7 @@
           <a:p>
             <a:fld id="{12DE42F4-6EEF-4EF7-8ED4-2208F0F89A08}" type="datetimeFigureOut">
               <a:rPr lang="en-US" dirty="0"/>
-              <a:t>8/9/2023</a:t>
+              <a:t>8/11/2023</a:t>
             </a:fld>
             <a:endParaRPr lang="en-US" dirty="0"/>
           </a:p>
@@ -4965,7 +4965,7 @@
           <a:p>
             <a:fld id="{30578ACC-22D6-47C1-A373-4FD133E34F3C}" type="datetimeFigureOut">
               <a:rPr lang="en-US" dirty="0"/>
-              <a:t>8/9/2023</a:t>
+              <a:t>8/11/2023</a:t>
             </a:fld>
             <a:endParaRPr lang="en-US" dirty="0"/>
           </a:p>
@@ -5336,7 +5336,7 @@
           <a:p>
             <a:fld id="{4E5A6C69-6797-4E8A-BF37-F2C3751466E9}" type="datetimeFigureOut">
               <a:rPr lang="en-US" dirty="0"/>
-              <a:t>8/9/2023</a:t>
+              <a:t>8/11/2023</a:t>
             </a:fld>
             <a:endParaRPr lang="en-US" dirty="0"/>
           </a:p>
@@ -5837,7 +5837,7 @@
           <a:p>
             <a:fld id="{D82014A1-A632-4878-A0D3-F52BA7563730}" type="datetimeFigureOut">
               <a:rPr lang="en-US" dirty="0"/>
-              <a:t>8/9/2023</a:t>
+              <a:t>8/11/2023</a:t>
             </a:fld>
             <a:endParaRPr lang="en-US" dirty="0"/>
           </a:p>
@@ -6089,7 +6089,7 @@
           <a:p>
             <a:fld id="{CE99F462-093F-4566-844B-4C71F2739DA5}" type="datetimeFigureOut">
               <a:rPr lang="en-US" dirty="0"/>
-              <a:t>8/9/2023</a:t>
+              <a:t>8/11/2023</a:t>
             </a:fld>
             <a:endParaRPr lang="en-US" dirty="0"/>
           </a:p>
@@ -6247,7 +6247,7 @@
           <a:p>
             <a:fld id="{3D24A7AC-904D-4781-85BA-7D10C17ED021}" type="datetimeFigureOut">
               <a:rPr lang="en-US" dirty="0"/>
-              <a:t>8/9/2023</a:t>
+              <a:t>8/11/2023</a:t>
             </a:fld>
             <a:endParaRPr lang="en-US" dirty="0"/>
           </a:p>
@@ -6632,7 +6632,7 @@
           <a:p>
             <a:fld id="{E331444B-B92B-4E27-8C94-BB93EAF5CB18}" type="datetimeFigureOut">
               <a:rPr lang="en-US" dirty="0"/>
-              <a:t>8/9/2023</a:t>
+              <a:t>8/11/2023</a:t>
             </a:fld>
             <a:endParaRPr lang="en-US" dirty="0"/>
           </a:p>
@@ -7036,7 +7036,7 @@
           <a:p>
             <a:fld id="{363EFA5E-FA76-400D-B3DC-F0BA90E6D107}" type="datetimeFigureOut">
               <a:rPr lang="en-US" dirty="0"/>
-              <a:t>8/9/2023</a:t>
+              <a:t>8/11/2023</a:t>
             </a:fld>
             <a:endParaRPr lang="en-US" dirty="0"/>
           </a:p>
@@ -7275,7 +7275,7 @@
           <a:p>
             <a:fld id="{9D6E9DEC-419B-4CC5-A080-3B06BD5A8291}" type="datetimeFigureOut">
               <a:rPr lang="en-US" dirty="0"/>
-              <a:t>8/9/2023</a:t>
+              <a:t>8/11/2023</a:t>
             </a:fld>
             <a:endParaRPr lang="en-US" dirty="0"/>
           </a:p>
@@ -10071,43 +10071,11 @@
             </a:r>
             <a:r>
               <a:rPr lang="en-US" dirty="0" err="1"/>
-              <a:t>là</a:t>
-            </a:r>
-            <a:r>
-              <a:rPr lang="en-US" dirty="0"/>
-              <a:t> </a:t>
-            </a:r>
-            <a:r>
-              <a:rPr lang="en-US" dirty="0" err="1"/>
-              <a:t>phần</a:t>
-            </a:r>
-            <a:r>
-              <a:rPr lang="en-US" dirty="0"/>
-              <a:t> </a:t>
-            </a:r>
-            <a:r>
-              <a:rPr lang="en-US" dirty="0" err="1"/>
-              <a:t>chương</a:t>
-            </a:r>
-            <a:r>
-              <a:rPr lang="en-US" dirty="0"/>
-              <a:t> </a:t>
-            </a:r>
-            <a:r>
-              <a:rPr lang="en-US" dirty="0" err="1"/>
-              <a:t>trình</a:t>
-            </a:r>
-            <a:r>
-              <a:rPr lang="en-US" dirty="0"/>
-              <a:t> </a:t>
-            </a:r>
-            <a:r>
-              <a:rPr lang="en-US" dirty="0" err="1"/>
-              <a:t>mà</a:t>
-            </a:r>
-            <a:r>
-              <a:rPr lang="en-US" dirty="0"/>
-              <a:t> </a:t>
+              <a:t>làphạm</a:t>
+            </a:r>
+            <a:r>
+              <a:rPr lang="en-US" dirty="0"/>
+              <a:t> vi </a:t>
             </a:r>
             <a:r>
               <a:rPr lang="en-US" dirty="0" err="1"/>
@@ -10119,49 +10087,36 @@
             </a:r>
             <a:r>
               <a:rPr lang="en-US" dirty="0" err="1"/>
+              <a:t>đó</a:t>
+            </a:r>
+            <a:r>
+              <a:rPr lang="en-US" dirty="0"/>
+              <a:t> </a:t>
+            </a:r>
+            <a:r>
+              <a:rPr lang="en-US" dirty="0" err="1"/>
+              <a:t>hoạt</a:t>
+            </a:r>
+            <a:r>
+              <a:rPr lang="en-US" dirty="0"/>
+              <a:t> </a:t>
+            </a:r>
+            <a:r>
+              <a:rPr lang="en-US" dirty="0" err="1"/>
+              <a:t>động</a:t>
+            </a:r>
+            <a:r>
+              <a:rPr lang="en-US" dirty="0"/>
+              <a:t> </a:t>
+            </a:r>
+            <a:r>
+              <a:rPr lang="en-US" dirty="0" err="1"/>
               <a:t>được</a:t>
             </a:r>
             <a:r>
               <a:rPr lang="en-US" dirty="0"/>
               <a:t> </a:t>
             </a:r>
-            <a:r>
-              <a:rPr lang="en-US" dirty="0" err="1"/>
-              <a:t>khai</a:t>
-            </a:r>
-            <a:r>
-              <a:rPr lang="en-US" dirty="0"/>
-              <a:t> </a:t>
-            </a:r>
-            <a:r>
-              <a:rPr lang="en-US" dirty="0" err="1"/>
-              <a:t>báo</a:t>
-            </a:r>
-            <a:r>
-              <a:rPr lang="en-US" dirty="0"/>
-              <a:t> </a:t>
-            </a:r>
-            <a:r>
-              <a:rPr lang="en-US" dirty="0" err="1"/>
-              <a:t>có</a:t>
-            </a:r>
-            <a:r>
-              <a:rPr lang="en-US" dirty="0"/>
-              <a:t> </a:t>
-            </a:r>
-            <a:r>
-              <a:rPr lang="en-US" dirty="0" err="1"/>
-              <a:t>hiệu</a:t>
-            </a:r>
-            <a:r>
-              <a:rPr lang="en-US" dirty="0"/>
-              <a:t> </a:t>
-            </a:r>
-            <a:r>
-              <a:rPr lang="en-US" dirty="0" err="1"/>
-              <a:t>lực</a:t>
-            </a:r>
-            <a:endParaRPr lang="en-US" dirty="0"/>
           </a:p>
           <a:p>
             <a:pPr marL="285750" indent="-285750">
